--- a/GDG DevFest 18 _ Firebase Codelabs.pptx
+++ b/GDG DevFest 18 _ Firebase Codelabs.pptx
@@ -15741,7 +15741,31 @@
                 <a:cs typeface="Roboto"/>
                 <a:sym typeface="Roboto"/>
               </a:rPr>
-              <a:t>Firebase-PHP</a:t>
+              <a:t>Et PHP </a:t>
+            </a:r>
+            <a:r>
+              <a:rPr lang="en-US" sz="12000" dirty="0" err="1" smtClean="0">
+                <a:solidFill>
+                  <a:srgbClr val="445863"/>
+                </a:solidFill>
+                <a:latin typeface="Roboto"/>
+                <a:ea typeface="Roboto"/>
+                <a:cs typeface="Roboto"/>
+                <a:sym typeface="Roboto"/>
+              </a:rPr>
+              <a:t>alors</a:t>
+            </a:r>
+            <a:r>
+              <a:rPr lang="en-US" sz="12000" dirty="0" smtClean="0">
+                <a:solidFill>
+                  <a:srgbClr val="445863"/>
+                </a:solidFill>
+                <a:latin typeface="Roboto"/>
+                <a:ea typeface="Roboto"/>
+                <a:cs typeface="Roboto"/>
+                <a:sym typeface="Roboto"/>
+              </a:rPr>
+              <a:t> ?</a:t>
             </a:r>
             <a:endParaRPr sz="10000" dirty="0">
               <a:solidFill>
@@ -15779,6 +15803,30 @@
           <a:xfrm>
             <a:off x="22737840" y="12059606"/>
             <a:ext cx="1668996" cy="1668996"/>
+          </a:xfrm>
+          <a:prstGeom prst="rect">
+            <a:avLst/>
+          </a:prstGeom>
+        </p:spPr>
+      </p:pic>
+      <p:pic>
+        <p:nvPicPr>
+          <p:cNvPr id="2" name="Image 1"/>
+          <p:cNvPicPr>
+            <a:picLocks noChangeAspect="1"/>
+          </p:cNvPicPr>
+          <p:nvPr/>
+        </p:nvPicPr>
+        <p:blipFill>
+          <a:blip r:embed="rId4"/>
+          <a:stretch>
+            <a:fillRect/>
+          </a:stretch>
+        </p:blipFill>
+        <p:spPr>
+          <a:xfrm>
+            <a:off x="982373" y="9907732"/>
+            <a:ext cx="3728172" cy="3156700"/>
           </a:xfrm>
           <a:prstGeom prst="rect">
             <a:avLst/>
@@ -22526,8 +22574,8 @@
         </p:nvSpPr>
         <p:spPr bwMode="auto">
           <a:xfrm>
-            <a:off x="830317" y="1544803"/>
-            <a:ext cx="23459090" cy="12066629"/>
+            <a:off x="830317" y="2068023"/>
+            <a:ext cx="23459090" cy="11020188"/>
           </a:xfrm>
           <a:prstGeom prst="rect">
             <a:avLst/>
@@ -22793,10 +22841,7 @@
             </a:endParaRPr>
           </a:p>
           <a:p>
-            <a:pPr marL="0" marR="0" lvl="0" indent="0" algn="l" defTabSz="914400" rtl="0" eaLnBrk="0" fontAlgn="base" latinLnBrk="0" hangingPunct="0">
-              <a:lnSpc>
-                <a:spcPct val="100000"/>
-              </a:lnSpc>
+            <a:pPr lvl="0" eaLnBrk="0" fontAlgn="base" hangingPunct="0">
               <a:spcBef>
                 <a:spcPct val="0"/>
               </a:spcBef>
@@ -22804,10 +22849,8 @@
                 <a:spcPct val="0"/>
               </a:spcAft>
               <a:buClrTx/>
-              <a:buSzTx/>
               <a:buFontTx/>
               <a:buChar char="•"/>
-              <a:tabLst/>
             </a:pPr>
             <a:r>
               <a:rPr kumimoji="0" lang="fr-FR" sz="4400" b="0" i="0" u="none" strike="noStrike" cap="none" normalizeH="0" baseline="0" dirty="0" err="1" smtClean="0">
@@ -22849,74 +22892,75 @@
                 <a:latin typeface="Roboto" panose="020B0604020202020204" charset="0"/>
                 <a:ea typeface="Roboto" panose="020B0604020202020204" charset="0"/>
               </a:rPr>
-              <a:t> revoie l’enregistrement suivant du </a:t>
-            </a:r>
-            <a:r>
-              <a:rPr kumimoji="0" lang="fr-FR" sz="4800" b="0" i="0" u="none" strike="noStrike" cap="none" normalizeH="0" baseline="0" dirty="0" err="1" smtClean="0">
-                <a:ln>
-                  <a:noFill/>
-                </a:ln>
+              <a:t> </a:t>
+            </a:r>
+            <a:r>
+              <a:rPr lang="fr-FR" sz="4800" dirty="0">
                 <a:solidFill>
                   <a:srgbClr val="404040"/>
                 </a:solidFill>
-                <a:effectLst/>
                 <a:latin typeface="Roboto" panose="020B0604020202020204" charset="0"/>
                 <a:ea typeface="Roboto" panose="020B0604020202020204" charset="0"/>
               </a:rPr>
-              <a:t>snapshot</a:t>
-            </a:r>
-            <a:r>
-              <a:rPr kumimoji="0" lang="fr-FR" sz="4800" b="0" i="0" u="none" strike="noStrike" cap="none" normalizeH="0" baseline="0" dirty="0" smtClean="0">
-                <a:ln>
-                  <a:noFill/>
-                </a:ln>
+              <a:t>revoit le </a:t>
+            </a:r>
+            <a:r>
+              <a:rPr lang="fr-FR" sz="4800" dirty="0" err="1">
                 <a:solidFill>
                   <a:srgbClr val="404040"/>
                 </a:solidFill>
-                <a:effectLst/>
                 <a:latin typeface="Roboto" panose="020B0604020202020204" charset="0"/>
                 <a:ea typeface="Roboto" panose="020B0604020202020204" charset="0"/>
               </a:rPr>
-              <a:t> (Genre notre </a:t>
-            </a:r>
-            <a:r>
-              <a:rPr kumimoji="0" lang="fr-FR" sz="4800" b="0" i="0" u="none" strike="noStrike" cap="none" normalizeH="0" baseline="0" dirty="0" err="1" smtClean="0">
-                <a:ln>
-                  <a:noFill/>
-                </a:ln>
+              <a:t>snapshot</a:t>
+            </a:r>
+            <a:r>
+              <a:rPr lang="fr-FR" sz="4800" dirty="0">
                 <a:solidFill>
                   <a:srgbClr val="404040"/>
                 </a:solidFill>
-                <a:effectLst/>
                 <a:latin typeface="Roboto" panose="020B0604020202020204" charset="0"/>
                 <a:ea typeface="Roboto" panose="020B0604020202020204" charset="0"/>
               </a:rPr>
-              <a:t>fetch</a:t>
-            </a:r>
-            <a:r>
-              <a:rPr kumimoji="0" lang="fr-FR" sz="4800" b="0" i="0" u="none" strike="noStrike" cap="none" normalizeH="0" baseline="0" dirty="0" smtClean="0">
-                <a:ln>
-                  <a:noFill/>
-                </a:ln>
+              <a:t> d'une </a:t>
+            </a:r>
+            <a:r>
+              <a:rPr lang="fr-FR" sz="4800" dirty="0" smtClean="0">
                 <a:solidFill>
                   <a:srgbClr val="404040"/>
                 </a:solidFill>
-                <a:effectLst/>
                 <a:latin typeface="Roboto" panose="020B0604020202020204" charset="0"/>
                 <a:ea typeface="Roboto" panose="020B0604020202020204" charset="0"/>
               </a:rPr>
-              <a:t>(</a:t>
-            </a:r>
-            <a:r>
-              <a:rPr lang="fr-FR" sz="4800" dirty="0" smtClean="0">
+              <a:t>sous-</a:t>
+            </a:r>
+            <a:r>
+              <a:rPr lang="fr-FR" sz="4800" dirty="0" err="1" smtClean="0">
                 <a:solidFill>
                   <a:srgbClr val="404040"/>
                 </a:solidFill>
                 <a:latin typeface="Roboto" panose="020B0604020202020204" charset="0"/>
                 <a:ea typeface="Roboto" panose="020B0604020202020204" charset="0"/>
               </a:rPr>
-              <a:t>) ici quoi).</a:t>
-            </a:r>
+              <a:t>reference</a:t>
+            </a:r>
+            <a:r>
+              <a:rPr lang="fr-FR" sz="4800" dirty="0" smtClean="0">
+                <a:solidFill>
+                  <a:srgbClr val="404040"/>
+                </a:solidFill>
+                <a:latin typeface="Roboto" panose="020B0604020202020204" charset="0"/>
+                <a:ea typeface="Roboto" panose="020B0604020202020204" charset="0"/>
+              </a:rPr>
+              <a:t>.</a:t>
+            </a:r>
+            <a:endParaRPr lang="fr-FR" sz="4800" dirty="0" smtClean="0">
+              <a:solidFill>
+                <a:srgbClr val="404040"/>
+              </a:solidFill>
+              <a:latin typeface="Roboto" panose="020B0604020202020204" charset="0"/>
+              <a:ea typeface="Roboto" panose="020B0604020202020204" charset="0"/>
+            </a:endParaRPr>
           </a:p>
           <a:p>
             <a:pPr marL="0" marR="0" lvl="0" indent="0" algn="l" defTabSz="914400" rtl="0" eaLnBrk="0" fontAlgn="base" latinLnBrk="0" hangingPunct="0">
@@ -22973,10 +23017,7 @@
             </a:endParaRPr>
           </a:p>
           <a:p>
-            <a:pPr marL="0" marR="0" lvl="0" indent="0" algn="l" defTabSz="914400" rtl="0" eaLnBrk="0" fontAlgn="base" latinLnBrk="0" hangingPunct="0">
-              <a:lnSpc>
-                <a:spcPct val="100000"/>
-              </a:lnSpc>
+            <a:pPr lvl="0" eaLnBrk="0" fontAlgn="base" hangingPunct="0">
               <a:spcBef>
                 <a:spcPct val="0"/>
               </a:spcBef>
@@ -22984,10 +23025,8 @@
                 <a:spcPct val="0"/>
               </a:spcAft>
               <a:buClrTx/>
-              <a:buSzTx/>
               <a:buFontTx/>
               <a:buChar char="•"/>
-              <a:tabLst/>
             </a:pPr>
             <a:r>
               <a:rPr kumimoji="0" lang="fr-FR" sz="4400" b="0" i="0" u="none" strike="noStrike" cap="none" normalizeH="0" baseline="0" dirty="0" err="1" smtClean="0">
@@ -23029,21 +23068,77 @@
                 <a:latin typeface="Roboto" panose="020B0604020202020204" charset="0"/>
                 <a:ea typeface="Roboto" panose="020B0604020202020204" charset="0"/>
               </a:rPr>
-              <a:t> renvoie la </a:t>
-            </a:r>
-            <a:r>
-              <a:rPr kumimoji="0" lang="fr-FR" sz="4800" b="0" i="0" u="none" strike="noStrike" cap="none" normalizeH="0" baseline="0" dirty="0" err="1" smtClean="0">
-                <a:ln>
-                  <a:noFill/>
-                </a:ln>
+              <a:t> </a:t>
+            </a:r>
+            <a:r>
+              <a:rPr lang="fr-FR" sz="4800" dirty="0">
                 <a:solidFill>
                   <a:srgbClr val="404040"/>
                 </a:solidFill>
-                <a:effectLst/>
                 <a:latin typeface="Roboto" panose="020B0604020202020204" charset="0"/>
                 <a:ea typeface="Roboto" panose="020B0604020202020204" charset="0"/>
               </a:rPr>
+              <a:t>renvoie à la </a:t>
+            </a:r>
+            <a:r>
+              <a:rPr lang="fr-FR" sz="4800" dirty="0" err="1">
+                <a:solidFill>
+                  <a:srgbClr val="404040"/>
+                </a:solidFill>
+                <a:latin typeface="Roboto" panose="020B0604020202020204" charset="0"/>
+                <a:ea typeface="Roboto" panose="020B0604020202020204" charset="0"/>
+              </a:rPr>
               <a:t>reference</a:t>
+            </a:r>
+            <a:r>
+              <a:rPr lang="fr-FR" sz="4800" dirty="0">
+                <a:solidFill>
+                  <a:srgbClr val="404040"/>
+                </a:solidFill>
+                <a:latin typeface="Roboto" panose="020B0604020202020204" charset="0"/>
+                <a:ea typeface="Roboto" panose="020B0604020202020204" charset="0"/>
+              </a:rPr>
+              <a:t> </a:t>
+            </a:r>
+            <a:r>
+              <a:rPr lang="fr-FR" sz="4800" dirty="0" err="1" smtClean="0">
+                <a:solidFill>
+                  <a:srgbClr val="404040"/>
+                </a:solidFill>
+                <a:latin typeface="Roboto" panose="020B0604020202020204" charset="0"/>
+                <a:ea typeface="Roboto" panose="020B0604020202020204" charset="0"/>
+              </a:rPr>
+              <a:t>mere</a:t>
+            </a:r>
+            <a:r>
+              <a:rPr lang="fr-FR" sz="4800" dirty="0" smtClean="0">
+                <a:solidFill>
+                  <a:srgbClr val="404040"/>
+                </a:solidFill>
+                <a:latin typeface="Roboto" panose="020B0604020202020204" charset="0"/>
+                <a:ea typeface="Roboto" panose="020B0604020202020204" charset="0"/>
+              </a:rPr>
+              <a:t> de la </a:t>
+            </a:r>
+            <a:r>
+              <a:rPr lang="fr-FR" sz="4800" dirty="0" err="1" smtClean="0">
+                <a:solidFill>
+                  <a:srgbClr val="404040"/>
+                </a:solidFill>
+                <a:latin typeface="Roboto" panose="020B0604020202020204" charset="0"/>
+                <a:ea typeface="Roboto" panose="020B0604020202020204" charset="0"/>
+              </a:rPr>
+              <a:t>reference</a:t>
+            </a:r>
+            <a:r>
+              <a:rPr lang="fr-FR" sz="4800" dirty="0" smtClean="0">
+                <a:solidFill>
+                  <a:srgbClr val="404040"/>
+                </a:solidFill>
+                <a:latin typeface="Roboto" panose="020B0604020202020204" charset="0"/>
+                <a:ea typeface="Roboto" panose="020B0604020202020204" charset="0"/>
+              </a:rPr>
+              <a:t> sur laquelle on l’a appelé</a:t>
             </a:r>
             <a:r>
               <a:rPr kumimoji="0" lang="fr-FR" sz="4800" b="0" i="0" u="none" strike="noStrike" cap="none" normalizeH="0" dirty="0" smtClean="0">
@@ -23057,36 +23152,19 @@
                 <a:latin typeface="Roboto" panose="020B0604020202020204" charset="0"/>
                 <a:ea typeface="Roboto" panose="020B0604020202020204" charset="0"/>
               </a:rPr>
-              <a:t> du </a:t>
-            </a:r>
-            <a:r>
-              <a:rPr kumimoji="0" lang="fr-FR" sz="4800" b="0" i="0" u="none" strike="noStrike" cap="none" normalizeH="0" dirty="0" err="1" smtClean="0">
-                <a:ln>
-                  <a:noFill/>
-                </a:ln>
-                <a:solidFill>
-                  <a:srgbClr val="404040"/>
-                </a:solidFill>
-                <a:effectLst/>
-                <a:latin typeface="Roboto" panose="020B0604020202020204" charset="0"/>
-                <a:ea typeface="Roboto" panose="020B0604020202020204" charset="0"/>
-              </a:rPr>
-              <a:t>snapshot</a:t>
-            </a:r>
-            <a:r>
-              <a:rPr kumimoji="0" lang="fr-FR" sz="4800" b="0" i="0" u="none" strike="noStrike" cap="none" normalizeH="0" dirty="0" smtClean="0">
-                <a:ln>
-                  <a:noFill/>
-                </a:ln>
-                <a:solidFill>
-                  <a:srgbClr val="404040"/>
-                </a:solidFill>
-                <a:effectLst/>
-                <a:latin typeface="Roboto" panose="020B0604020202020204" charset="0"/>
-                <a:ea typeface="Roboto" panose="020B0604020202020204" charset="0"/>
-              </a:rPr>
               <a:t>.</a:t>
             </a:r>
+            <a:endParaRPr kumimoji="0" lang="fr-FR" sz="4800" b="0" i="0" u="none" strike="noStrike" cap="none" normalizeH="0" dirty="0" smtClean="0">
+              <a:ln>
+                <a:noFill/>
+              </a:ln>
+              <a:solidFill>
+                <a:srgbClr val="404040"/>
+              </a:solidFill>
+              <a:effectLst/>
+              <a:latin typeface="Roboto" panose="020B0604020202020204" charset="0"/>
+              <a:ea typeface="Roboto" panose="020B0604020202020204" charset="0"/>
+            </a:endParaRPr>
           </a:p>
           <a:p>
             <a:pPr marL="0" marR="0" lvl="0" indent="0" algn="l" defTabSz="914400" rtl="0" eaLnBrk="0" fontAlgn="base" latinLnBrk="0" hangingPunct="0">
@@ -23299,10 +23377,7 @@
             </a:endParaRPr>
           </a:p>
           <a:p>
-            <a:pPr marL="0" marR="0" lvl="0" indent="0" algn="l" defTabSz="914400" rtl="0" eaLnBrk="0" fontAlgn="base" latinLnBrk="0" hangingPunct="0">
-              <a:lnSpc>
-                <a:spcPct val="100000"/>
-              </a:lnSpc>
+            <a:pPr lvl="0" eaLnBrk="0" fontAlgn="base" hangingPunct="0">
               <a:spcBef>
                 <a:spcPct val="0"/>
               </a:spcBef>
@@ -23310,10 +23385,8 @@
                 <a:spcPct val="0"/>
               </a:spcAft>
               <a:buClrTx/>
-              <a:buSzTx/>
               <a:buFontTx/>
               <a:buChar char="•"/>
-              <a:tabLst/>
             </a:pPr>
             <a:r>
               <a:rPr kumimoji="0" lang="fr-FR" sz="4400" b="0" i="0" u="none" strike="noStrike" cap="none" normalizeH="0" baseline="0" dirty="0" err="1" smtClean="0">
@@ -23355,35 +23428,67 @@
                 <a:latin typeface="Roboto" panose="020B0604020202020204" charset="0"/>
                 <a:ea typeface="Roboto" panose="020B0604020202020204" charset="0"/>
               </a:rPr>
-              <a:t> renvoie</a:t>
-            </a:r>
-            <a:r>
-              <a:rPr kumimoji="0" lang="fr-FR" sz="4800" b="0" i="0" u="none" strike="noStrike" cap="none" normalizeH="0" dirty="0" smtClean="0">
-                <a:ln>
-                  <a:noFill/>
-                </a:ln>
+              <a:t> </a:t>
+            </a:r>
+            <a:r>
+              <a:rPr lang="fr-FR" sz="4800" dirty="0">
                 <a:solidFill>
                   <a:srgbClr val="404040"/>
                 </a:solidFill>
-                <a:effectLst/>
                 <a:latin typeface="Roboto" panose="020B0604020202020204" charset="0"/>
                 <a:ea typeface="Roboto" panose="020B0604020202020204" charset="0"/>
               </a:rPr>
-              <a:t> </a:t>
-            </a:r>
-            <a:r>
-              <a:rPr kumimoji="0" lang="fr-FR" sz="4800" b="1" i="0" u="none" strike="noStrike" cap="none" normalizeH="0" dirty="0" smtClean="0">
-                <a:ln>
-                  <a:noFill/>
-                </a:ln>
+              <a:t>renvoie </a:t>
+            </a:r>
+            <a:r>
+              <a:rPr lang="fr-FR" sz="4800" b="1" dirty="0" smtClean="0">
                 <a:solidFill>
                   <a:srgbClr val="404040"/>
                 </a:solidFill>
-                <a:effectLst/>
                 <a:latin typeface="Roboto" panose="020B0604020202020204" charset="0"/>
                 <a:ea typeface="Roboto" panose="020B0604020202020204" charset="0"/>
               </a:rPr>
-              <a:t>vrai </a:t>
+              <a:t>vrai</a:t>
+            </a:r>
+            <a:r>
+              <a:rPr lang="fr-FR" sz="4800" dirty="0" smtClean="0">
+                <a:solidFill>
+                  <a:srgbClr val="404040"/>
+                </a:solidFill>
+                <a:latin typeface="Roboto" panose="020B0604020202020204" charset="0"/>
+                <a:ea typeface="Roboto" panose="020B0604020202020204" charset="0"/>
+              </a:rPr>
+              <a:t> </a:t>
+            </a:r>
+            <a:r>
+              <a:rPr lang="fr-FR" sz="4800" dirty="0">
+                <a:solidFill>
+                  <a:srgbClr val="404040"/>
+                </a:solidFill>
+                <a:latin typeface="Roboto" panose="020B0604020202020204" charset="0"/>
+                <a:ea typeface="Roboto" panose="020B0604020202020204" charset="0"/>
+              </a:rPr>
+              <a:t>si la sous-</a:t>
+            </a:r>
+            <a:r>
+              <a:rPr lang="fr-FR" sz="4800" dirty="0" err="1">
+                <a:solidFill>
+                  <a:srgbClr val="404040"/>
+                </a:solidFill>
+                <a:latin typeface="Roboto" panose="020B0604020202020204" charset="0"/>
+                <a:ea typeface="Roboto" panose="020B0604020202020204" charset="0"/>
+              </a:rPr>
+              <a:t>reference</a:t>
+            </a:r>
+            <a:r>
+              <a:rPr lang="fr-FR" sz="4800" dirty="0">
+                <a:solidFill>
+                  <a:srgbClr val="404040"/>
+                </a:solidFill>
+                <a:latin typeface="Roboto" panose="020B0604020202020204" charset="0"/>
+                <a:ea typeface="Roboto" panose="020B0604020202020204" charset="0"/>
+              </a:rPr>
+              <a:t> contient des données</a:t>
             </a:r>
             <a:r>
               <a:rPr kumimoji="0" lang="fr-FR" sz="4800" i="0" u="none" strike="noStrike" cap="none" normalizeH="0" dirty="0" smtClean="0">
@@ -23397,8 +23502,19 @@
                 <a:latin typeface="Roboto" panose="020B0604020202020204" charset="0"/>
                 <a:ea typeface="Roboto" panose="020B0604020202020204" charset="0"/>
               </a:rPr>
-              <a:t>si le chemin enfant spécifié contient des données.</a:t>
-            </a:r>
+              <a:t>.</a:t>
+            </a:r>
+            <a:endParaRPr kumimoji="0" lang="fr-FR" sz="4800" i="0" u="none" strike="noStrike" cap="none" normalizeH="0" dirty="0" smtClean="0">
+              <a:ln>
+                <a:noFill/>
+              </a:ln>
+              <a:solidFill>
+                <a:srgbClr val="404040"/>
+              </a:solidFill>
+              <a:effectLst/>
+              <a:latin typeface="Roboto" panose="020B0604020202020204" charset="0"/>
+              <a:ea typeface="Roboto" panose="020B0604020202020204" charset="0"/>
+            </a:endParaRPr>
           </a:p>
           <a:p>
             <a:pPr marL="0" marR="0" lvl="0" indent="0" algn="l" defTabSz="914400" rtl="0" eaLnBrk="0" fontAlgn="base" latinLnBrk="0" hangingPunct="0">
@@ -23455,10 +23571,7 @@
             </a:endParaRPr>
           </a:p>
           <a:p>
-            <a:pPr marL="0" marR="0" lvl="0" indent="0" algn="l" defTabSz="914400" rtl="0" eaLnBrk="0" fontAlgn="base" latinLnBrk="0" hangingPunct="0">
-              <a:lnSpc>
-                <a:spcPct val="100000"/>
-              </a:lnSpc>
+            <a:pPr lvl="0" eaLnBrk="0" fontAlgn="base" hangingPunct="0">
               <a:spcBef>
                 <a:spcPct val="0"/>
               </a:spcBef>
@@ -23466,10 +23579,8 @@
                 <a:spcPct val="0"/>
               </a:spcAft>
               <a:buClrTx/>
-              <a:buSzTx/>
               <a:buFontTx/>
               <a:buChar char="•"/>
-              <a:tabLst/>
             </a:pPr>
             <a:r>
               <a:rPr kumimoji="0" lang="fr-FR" sz="4000" b="0" i="0" u="none" strike="noStrike" cap="none" normalizeH="0" baseline="0" dirty="0" err="1" smtClean="0">
@@ -23511,94 +23622,58 @@
                 <a:latin typeface="Roboto" panose="020B0604020202020204" charset="0"/>
                 <a:ea typeface="Roboto" panose="020B0604020202020204" charset="0"/>
               </a:rPr>
-              <a:t> renvoie</a:t>
-            </a:r>
-            <a:r>
-              <a:rPr kumimoji="0" lang="fr-FR" sz="4800" b="0" i="0" u="none" strike="noStrike" cap="none" normalizeH="0" dirty="0" smtClean="0">
-                <a:ln>
-                  <a:noFill/>
-                </a:ln>
+              <a:t> </a:t>
+            </a:r>
+            <a:r>
+              <a:rPr lang="fr-FR" sz="4800" dirty="0">
                 <a:solidFill>
                   <a:srgbClr val="404040"/>
                 </a:solidFill>
-                <a:effectLst/>
                 <a:latin typeface="Roboto" panose="020B0604020202020204" charset="0"/>
                 <a:ea typeface="Roboto" panose="020B0604020202020204" charset="0"/>
               </a:rPr>
-              <a:t> </a:t>
-            </a:r>
-            <a:r>
-              <a:rPr kumimoji="0" lang="fr-FR" sz="4800" b="1" i="0" u="none" strike="noStrike" cap="none" normalizeH="0" dirty="0" smtClean="0">
-                <a:ln>
-                  <a:noFill/>
-                </a:ln>
+              <a:t>renvoie </a:t>
+            </a:r>
+            <a:r>
+              <a:rPr lang="fr-FR" sz="4800" b="1" dirty="0" smtClean="0">
                 <a:solidFill>
                   <a:srgbClr val="404040"/>
                 </a:solidFill>
-                <a:effectLst/>
                 <a:latin typeface="Roboto" panose="020B0604020202020204" charset="0"/>
                 <a:ea typeface="Roboto" panose="020B0604020202020204" charset="0"/>
               </a:rPr>
-              <a:t>vrai </a:t>
-            </a:r>
-            <a:r>
-              <a:rPr kumimoji="0" lang="fr-FR" sz="4800" i="0" u="none" strike="noStrike" cap="none" normalizeH="0" dirty="0" smtClean="0">
-                <a:ln>
-                  <a:noFill/>
-                </a:ln>
+              <a:t>vrai</a:t>
+            </a:r>
+            <a:r>
+              <a:rPr lang="fr-FR" sz="4800" dirty="0" smtClean="0">
                 <a:solidFill>
                   <a:srgbClr val="404040"/>
                 </a:solidFill>
-                <a:effectLst/>
                 <a:latin typeface="Roboto" panose="020B0604020202020204" charset="0"/>
                 <a:ea typeface="Roboto" panose="020B0604020202020204" charset="0"/>
               </a:rPr>
-              <a:t>si le </a:t>
-            </a:r>
-            <a:r>
-              <a:rPr kumimoji="0" lang="fr-FR" sz="4800" i="0" u="none" strike="noStrike" cap="none" normalizeH="0" dirty="0" err="1" smtClean="0">
-                <a:ln>
-                  <a:noFill/>
-                </a:ln>
+              <a:t> </a:t>
+            </a:r>
+            <a:r>
+              <a:rPr lang="fr-FR" sz="4800" dirty="0">
                 <a:solidFill>
                   <a:srgbClr val="404040"/>
                 </a:solidFill>
-                <a:effectLst/>
                 <a:latin typeface="Roboto" panose="020B0604020202020204" charset="0"/>
                 <a:ea typeface="Roboto" panose="020B0604020202020204" charset="0"/>
               </a:rPr>
-              <a:t>snapshot</a:t>
-            </a:r>
-            <a:r>
-              <a:rPr kumimoji="0" lang="fr-FR" sz="4800" i="0" u="none" strike="noStrike" cap="none" normalizeH="0" dirty="0" smtClean="0">
-                <a:ln>
-                  <a:noFill/>
-                </a:ln>
+              <a:t>si le </a:t>
+            </a:r>
+            <a:r>
+              <a:rPr lang="fr-FR" sz="4800" dirty="0" err="1">
                 <a:solidFill>
                   <a:srgbClr val="404040"/>
                 </a:solidFill>
-                <a:effectLst/>
                 <a:latin typeface="Roboto" panose="020B0604020202020204" charset="0"/>
                 <a:ea typeface="Roboto" panose="020B0604020202020204" charset="0"/>
               </a:rPr>
-              <a:t> à des propriétés enfant, genre si c’est un </a:t>
-            </a:r>
-          </a:p>
-          <a:p>
-            <a:pPr marL="0" marR="0" lvl="0" indent="0" algn="l" defTabSz="914400" rtl="0" eaLnBrk="0" fontAlgn="base" latinLnBrk="0" hangingPunct="0">
-              <a:lnSpc>
-                <a:spcPct val="100000"/>
-              </a:lnSpc>
-              <a:spcBef>
-                <a:spcPct val="0"/>
-              </a:spcBef>
-              <a:spcAft>
-                <a:spcPct val="0"/>
-              </a:spcAft>
-              <a:buClrTx/>
-              <a:buSzTx/>
-              <a:tabLst/>
-            </a:pPr>
+              <a:t>snapshot</a:t>
+            </a:r>
             <a:r>
               <a:rPr lang="fr-FR" sz="4800" dirty="0">
                 <a:solidFill>
@@ -23607,7 +23682,7 @@
                 <a:latin typeface="Roboto" panose="020B0604020202020204" charset="0"/>
                 <a:ea typeface="Roboto" panose="020B0604020202020204" charset="0"/>
               </a:rPr>
-              <a:t>	</a:t>
+              <a:t> à 'des' propriétés </a:t>
             </a:r>
             <a:r>
               <a:rPr lang="fr-FR" sz="4800" dirty="0" smtClean="0">
@@ -23617,38 +23692,8 @@
                 <a:latin typeface="Roboto" panose="020B0604020202020204" charset="0"/>
                 <a:ea typeface="Roboto" panose="020B0604020202020204" charset="0"/>
               </a:rPr>
-              <a:t>		    </a:t>
-            </a:r>
-            <a:r>
-              <a:rPr kumimoji="0" lang="fr-FR" sz="4800" i="0" u="none" strike="noStrike" cap="none" normalizeH="0" dirty="0" smtClean="0">
-                <a:ln>
-                  <a:noFill/>
-                </a:ln>
-                <a:solidFill>
-                  <a:srgbClr val="404040"/>
-                </a:solidFill>
-                <a:effectLst/>
-                <a:latin typeface="Roboto" panose="020B0604020202020204" charset="0"/>
-                <a:ea typeface="Roboto" panose="020B0604020202020204" charset="0"/>
-              </a:rPr>
-              <a:t>tableau quoi…</a:t>
-            </a:r>
-          </a:p>
-          <a:p>
-            <a:pPr marL="0" marR="0" lvl="0" indent="0" algn="l" defTabSz="914400" rtl="0" eaLnBrk="0" fontAlgn="base" latinLnBrk="0" hangingPunct="0">
-              <a:lnSpc>
-                <a:spcPct val="100000"/>
-              </a:lnSpc>
-              <a:spcBef>
-                <a:spcPct val="0"/>
-              </a:spcBef>
-              <a:spcAft>
-                <a:spcPct val="0"/>
-              </a:spcAft>
-              <a:buClrTx/>
-              <a:buSzTx/>
-              <a:tabLst/>
-            </a:pPr>
+              <a:t>enfants.</a:t>
+            </a:r>
             <a:endParaRPr kumimoji="0" lang="fr-FR" sz="2000" b="0" i="0" u="none" strike="noStrike" cap="none" normalizeH="0" baseline="0" dirty="0" smtClean="0">
               <a:ln>
                 <a:noFill/>
